--- a/diagrams/revisionControl/forkingWorkflow/diagram.pptx
+++ b/diagrams/revisionControl/forkingWorkflow/diagram.pptx
@@ -304,7 +304,7 @@
           <a:p>
             <a:fld id="{A8886CD7-4058-4E48-B9C4-9EA782D336AA}" type="datetimeFigureOut">
               <a:rPr lang="en-SG" smtClean="0"/>
-              <a:t>18/9/25</a:t>
+              <a:t>27/12/25</a:t>
             </a:fld>
             <a:endParaRPr lang="en-SG"/>
           </a:p>
@@ -474,7 +474,7 @@
           <a:p>
             <a:fld id="{A8886CD7-4058-4E48-B9C4-9EA782D336AA}" type="datetimeFigureOut">
               <a:rPr lang="en-SG" smtClean="0"/>
-              <a:t>18/9/25</a:t>
+              <a:t>27/12/25</a:t>
             </a:fld>
             <a:endParaRPr lang="en-SG"/>
           </a:p>
@@ -654,7 +654,7 @@
           <a:p>
             <a:fld id="{A8886CD7-4058-4E48-B9C4-9EA782D336AA}" type="datetimeFigureOut">
               <a:rPr lang="en-SG" smtClean="0"/>
-              <a:t>18/9/25</a:t>
+              <a:t>27/12/25</a:t>
             </a:fld>
             <a:endParaRPr lang="en-SG"/>
           </a:p>
@@ -824,7 +824,7 @@
           <a:p>
             <a:fld id="{A8886CD7-4058-4E48-B9C4-9EA782D336AA}" type="datetimeFigureOut">
               <a:rPr lang="en-SG" smtClean="0"/>
-              <a:t>18/9/25</a:t>
+              <a:t>27/12/25</a:t>
             </a:fld>
             <a:endParaRPr lang="en-SG"/>
           </a:p>
@@ -1070,7 +1070,7 @@
           <a:p>
             <a:fld id="{A8886CD7-4058-4E48-B9C4-9EA782D336AA}" type="datetimeFigureOut">
               <a:rPr lang="en-SG" smtClean="0"/>
-              <a:t>18/9/25</a:t>
+              <a:t>27/12/25</a:t>
             </a:fld>
             <a:endParaRPr lang="en-SG"/>
           </a:p>
@@ -1358,7 +1358,7 @@
           <a:p>
             <a:fld id="{A8886CD7-4058-4E48-B9C4-9EA782D336AA}" type="datetimeFigureOut">
               <a:rPr lang="en-SG" smtClean="0"/>
-              <a:t>18/9/25</a:t>
+              <a:t>27/12/25</a:t>
             </a:fld>
             <a:endParaRPr lang="en-SG"/>
           </a:p>
@@ -1780,7 +1780,7 @@
           <a:p>
             <a:fld id="{A8886CD7-4058-4E48-B9C4-9EA782D336AA}" type="datetimeFigureOut">
               <a:rPr lang="en-SG" smtClean="0"/>
-              <a:t>18/9/25</a:t>
+              <a:t>27/12/25</a:t>
             </a:fld>
             <a:endParaRPr lang="en-SG"/>
           </a:p>
@@ -1898,7 +1898,7 @@
           <a:p>
             <a:fld id="{A8886CD7-4058-4E48-B9C4-9EA782D336AA}" type="datetimeFigureOut">
               <a:rPr lang="en-SG" smtClean="0"/>
-              <a:t>18/9/25</a:t>
+              <a:t>27/12/25</a:t>
             </a:fld>
             <a:endParaRPr lang="en-SG"/>
           </a:p>
@@ -1993,7 +1993,7 @@
           <a:p>
             <a:fld id="{A8886CD7-4058-4E48-B9C4-9EA782D336AA}" type="datetimeFigureOut">
               <a:rPr lang="en-SG" smtClean="0"/>
-              <a:t>18/9/25</a:t>
+              <a:t>27/12/25</a:t>
             </a:fld>
             <a:endParaRPr lang="en-SG"/>
           </a:p>
@@ -2270,7 +2270,7 @@
           <a:p>
             <a:fld id="{A8886CD7-4058-4E48-B9C4-9EA782D336AA}" type="datetimeFigureOut">
               <a:rPr lang="en-SG" smtClean="0"/>
-              <a:t>18/9/25</a:t>
+              <a:t>27/12/25</a:t>
             </a:fld>
             <a:endParaRPr lang="en-SG"/>
           </a:p>
@@ -2523,7 +2523,7 @@
           <a:p>
             <a:fld id="{A8886CD7-4058-4E48-B9C4-9EA782D336AA}" type="datetimeFigureOut">
               <a:rPr lang="en-SG" smtClean="0"/>
-              <a:t>18/9/25</a:t>
+              <a:t>27/12/25</a:t>
             </a:fld>
             <a:endParaRPr lang="en-SG"/>
           </a:p>
@@ -2736,7 +2736,7 @@
           <a:p>
             <a:fld id="{A8886CD7-4058-4E48-B9C4-9EA782D336AA}" type="datetimeFigureOut">
               <a:rPr lang="en-SG" smtClean="0"/>
-              <a:t>18/9/25</a:t>
+              <a:t>27/12/25</a:t>
             </a:fld>
             <a:endParaRPr lang="en-SG"/>
           </a:p>
@@ -3119,8 +3119,8 @@
         </p:nvSpPr>
         <p:spPr>
           <a:xfrm>
-            <a:off x="1595344" y="2709107"/>
-            <a:ext cx="2364871" cy="1768319"/>
+            <a:off x="1595344" y="3276713"/>
+            <a:ext cx="2364871" cy="1088392"/>
           </a:xfrm>
           <a:prstGeom prst="roundRect">
             <a:avLst/>
@@ -3168,8 +3168,8 @@
         </p:nvSpPr>
         <p:spPr>
           <a:xfrm>
-            <a:off x="1579423" y="4709917"/>
-            <a:ext cx="2364871" cy="1768319"/>
+            <a:off x="1614349" y="4887891"/>
+            <a:ext cx="2364871" cy="1167355"/>
           </a:xfrm>
           <a:prstGeom prst="roundRect">
             <a:avLst/>
@@ -3217,8 +3217,8 @@
         </p:nvSpPr>
         <p:spPr>
           <a:xfrm>
-            <a:off x="1579423" y="365281"/>
-            <a:ext cx="2364871" cy="1768319"/>
+            <a:off x="1579423" y="932887"/>
+            <a:ext cx="2364871" cy="1199970"/>
           </a:xfrm>
           <a:prstGeom prst="roundRect">
             <a:avLst/>
@@ -3266,8 +3266,8 @@
         </p:nvSpPr>
         <p:spPr>
           <a:xfrm>
-            <a:off x="4898452" y="365281"/>
-            <a:ext cx="4138044" cy="6096000"/>
+            <a:off x="4898452" y="1412775"/>
+            <a:ext cx="4138044" cy="4680521"/>
           </a:xfrm>
           <a:prstGeom prst="roundRect">
             <a:avLst/>
@@ -3322,7 +3322,7 @@
         </p:nvSpPr>
         <p:spPr>
           <a:xfrm>
-            <a:off x="1970404" y="3417675"/>
+            <a:off x="1979712" y="3861048"/>
             <a:ext cx="887317" cy="944563"/>
           </a:xfrm>
           <a:prstGeom prst="rect">
@@ -3388,7 +3388,7 @@
         </p:nvSpPr>
         <p:spPr>
           <a:xfrm>
-            <a:off x="1927766" y="5441754"/>
+            <a:off x="1942630" y="5263158"/>
             <a:ext cx="887317" cy="944563"/>
           </a:xfrm>
           <a:prstGeom prst="rect">
@@ -3454,7 +3454,7 @@
         </p:nvSpPr>
         <p:spPr>
           <a:xfrm>
-            <a:off x="607337" y="2934049"/>
+            <a:off x="607337" y="3501654"/>
             <a:ext cx="577005" cy="559168"/>
           </a:xfrm>
           <a:prstGeom prst="smileyFace">
@@ -3492,7 +3492,7 @@
         </p:nvSpPr>
         <p:spPr>
           <a:xfrm>
-            <a:off x="2319394" y="2784246"/>
+            <a:off x="2319394" y="3351851"/>
             <a:ext cx="1186542" cy="890797"/>
           </a:xfrm>
           <a:prstGeom prst="can">
@@ -3533,7 +3533,7 @@
         </p:nvSpPr>
         <p:spPr>
           <a:xfrm>
-            <a:off x="564699" y="5001833"/>
+            <a:off x="599625" y="5179807"/>
             <a:ext cx="577005" cy="559168"/>
           </a:xfrm>
           <a:prstGeom prst="smileyFace">
@@ -3571,7 +3571,7 @@
         </p:nvSpPr>
         <p:spPr>
           <a:xfrm>
-            <a:off x="2352956" y="4835987"/>
+            <a:off x="2387882" y="5013961"/>
             <a:ext cx="1186542" cy="890797"/>
           </a:xfrm>
           <a:prstGeom prst="can">
@@ -3615,7 +3615,7 @@
         </p:nvCxnSpPr>
         <p:spPr>
           <a:xfrm>
-            <a:off x="1184342" y="3213633"/>
+            <a:off x="1184342" y="3781238"/>
             <a:ext cx="1135052" cy="16012"/>
           </a:xfrm>
           <a:prstGeom prst="straightConnector1">
@@ -3651,7 +3651,7 @@
         </p:nvCxnSpPr>
         <p:spPr>
           <a:xfrm flipV="1">
-            <a:off x="3678422" y="5232354"/>
+            <a:off x="3713348" y="5410328"/>
             <a:ext cx="1449917" cy="19288"/>
           </a:xfrm>
           <a:prstGeom prst="straightConnector1">
@@ -3691,7 +3691,7 @@
         </p:nvCxnSpPr>
         <p:spPr>
           <a:xfrm flipV="1">
-            <a:off x="1141704" y="5281386"/>
+            <a:off x="1176630" y="5459360"/>
             <a:ext cx="1211252" cy="31"/>
           </a:xfrm>
           <a:prstGeom prst="straightConnector1">
@@ -3728,7 +3728,7 @@
         </p:nvSpPr>
         <p:spPr>
           <a:xfrm>
-            <a:off x="7124521" y="2664744"/>
+            <a:off x="7124521" y="3232349"/>
             <a:ext cx="1251210" cy="931050"/>
           </a:xfrm>
           <a:prstGeom prst="can">
@@ -3775,7 +3775,7 @@
         </p:nvCxnSpPr>
         <p:spPr>
           <a:xfrm>
-            <a:off x="3568645" y="3437730"/>
+            <a:off x="3568645" y="4005335"/>
             <a:ext cx="1656989" cy="71207"/>
           </a:xfrm>
           <a:prstGeom prst="straightConnector1">
@@ -3812,7 +3812,7 @@
         </p:nvSpPr>
         <p:spPr>
           <a:xfrm>
-            <a:off x="1981200" y="1061136"/>
+            <a:off x="1619672" y="1340768"/>
             <a:ext cx="887317" cy="944563"/>
           </a:xfrm>
           <a:prstGeom prst="rect">
@@ -3878,7 +3878,7 @@
         </p:nvSpPr>
         <p:spPr>
           <a:xfrm>
-            <a:off x="556966" y="577510"/>
+            <a:off x="556966" y="1145115"/>
             <a:ext cx="577005" cy="559168"/>
           </a:xfrm>
           <a:prstGeom prst="smileyFace">
@@ -3921,7 +3921,7 @@
         </p:nvSpPr>
         <p:spPr>
           <a:xfrm>
-            <a:off x="2269023" y="427707"/>
+            <a:off x="2269023" y="995312"/>
             <a:ext cx="1186542" cy="890797"/>
           </a:xfrm>
           <a:prstGeom prst="can">
@@ -3962,15 +3962,12 @@
       <p:cxnSp>
         <p:nvCxnSpPr>
           <p:cNvPr id="54" name="Straight Arrow Connector 53"/>
-          <p:cNvCxnSpPr>
-            <a:stCxn id="52" idx="6"/>
-            <a:endCxn id="53" idx="2"/>
-          </p:cNvCxnSpPr>
+          <p:cNvCxnSpPr/>
           <p:nvPr/>
         </p:nvCxnSpPr>
         <p:spPr>
           <a:xfrm>
-            <a:off x="1133971" y="857094"/>
+            <a:off x="1115616" y="1484784"/>
             <a:ext cx="1135052" cy="16012"/>
           </a:xfrm>
           <a:prstGeom prst="straightConnector1">
@@ -4009,7 +4006,7 @@
         </p:nvCxnSpPr>
         <p:spPr>
           <a:xfrm>
-            <a:off x="3579209" y="807563"/>
+            <a:off x="3579209" y="1375168"/>
             <a:ext cx="1684328" cy="607196"/>
           </a:xfrm>
           <a:prstGeom prst="straightConnector1">
@@ -4046,7 +4043,7 @@
         </p:nvSpPr>
         <p:spPr>
           <a:xfrm>
-            <a:off x="518789" y="5559785"/>
+            <a:off x="553715" y="5737759"/>
             <a:ext cx="845511" cy="369332"/>
           </a:xfrm>
           <a:prstGeom prst="rect">
@@ -4076,7 +4073,7 @@
         </p:nvSpPr>
         <p:spPr>
           <a:xfrm>
-            <a:off x="561427" y="3513869"/>
+            <a:off x="561427" y="4081474"/>
             <a:ext cx="668823" cy="381000"/>
           </a:xfrm>
           <a:prstGeom prst="rect">
@@ -4106,7 +4103,7 @@
         </p:nvSpPr>
         <p:spPr>
           <a:xfrm>
-            <a:off x="511056" y="1157330"/>
+            <a:off x="511056" y="1724935"/>
             <a:ext cx="668823" cy="381000"/>
           </a:xfrm>
           <a:prstGeom prst="rect">
@@ -4136,7 +4133,7 @@
         </p:nvSpPr>
         <p:spPr>
           <a:xfrm>
-            <a:off x="5225634" y="3063538"/>
+            <a:off x="5225634" y="3631143"/>
             <a:ext cx="1186542" cy="890797"/>
           </a:xfrm>
           <a:prstGeom prst="can">
@@ -4177,7 +4174,7 @@
         </p:nvSpPr>
         <p:spPr>
           <a:xfrm>
-            <a:off x="5185146" y="4835202"/>
+            <a:off x="5220072" y="5013176"/>
             <a:ext cx="1186542" cy="890797"/>
           </a:xfrm>
           <a:prstGeom prst="can">
@@ -4218,7 +4215,7 @@
         </p:nvSpPr>
         <p:spPr>
           <a:xfrm>
-            <a:off x="5225634" y="1136678"/>
+            <a:off x="5225634" y="1704283"/>
             <a:ext cx="1186542" cy="890797"/>
           </a:xfrm>
           <a:prstGeom prst="can">
@@ -4266,7 +4263,7 @@
         </p:nvCxnSpPr>
         <p:spPr>
           <a:xfrm flipH="1">
-            <a:off x="6450983" y="3317703"/>
+            <a:off x="6450983" y="3885308"/>
             <a:ext cx="673538" cy="120027"/>
           </a:xfrm>
           <a:prstGeom prst="straightConnector1">
@@ -4306,7 +4303,7 @@
         </p:nvCxnSpPr>
         <p:spPr>
           <a:xfrm flipH="1" flipV="1">
-            <a:off x="6309349" y="2061386"/>
+            <a:off x="6309349" y="2628991"/>
             <a:ext cx="938148" cy="632247"/>
           </a:xfrm>
           <a:prstGeom prst="straightConnector1">
@@ -4346,7 +4343,7 @@
         </p:nvCxnSpPr>
         <p:spPr>
           <a:xfrm flipH="1">
-            <a:off x="6412176" y="3680481"/>
+            <a:off x="6412176" y="4248086"/>
             <a:ext cx="712345" cy="1154721"/>
           </a:xfrm>
           <a:prstGeom prst="straightConnector1">
@@ -4390,8 +4387,8 @@
         </p:nvSpPr>
         <p:spPr>
           <a:xfrm rot="1181408">
-            <a:off x="4090142" y="375125"/>
-            <a:ext cx="963716" cy="646331"/>
+            <a:off x="3499338" y="1285486"/>
+            <a:ext cx="1873105" cy="369332"/>
           </a:xfrm>
           <a:prstGeom prst="rect">
             <a:avLst/>
@@ -4412,7 +4409,7 @@
                   </a:schemeClr>
                 </a:solidFill>
               </a:rPr>
-              <a:t>1. push branch</a:t>
+              <a:t>2. pushes branch</a:t>
             </a:r>
             <a:endParaRPr lang="en-SG" dirty="0">
               <a:solidFill>
@@ -4438,8 +4435,8 @@
         </p:nvSpPr>
         <p:spPr>
           <a:xfrm rot="1923471">
-            <a:off x="6518841" y="1742677"/>
-            <a:ext cx="1168500" cy="646331"/>
+            <a:off x="6510976" y="2337659"/>
+            <a:ext cx="1271661" cy="646331"/>
           </a:xfrm>
           <a:prstGeom prst="rect">
             <a:avLst/>
@@ -4460,7 +4457,7 @@
                   </a:schemeClr>
                 </a:solidFill>
               </a:rPr>
-              <a:t>2. PR from branch</a:t>
+              <a:t>3. PR from branch</a:t>
             </a:r>
             <a:endParaRPr lang="en-SG" dirty="0">
               <a:solidFill>
@@ -4486,7 +4483,7 @@
         </p:nvSpPr>
         <p:spPr>
           <a:xfrm>
-            <a:off x="3558448" y="1311007"/>
+            <a:off x="3558448" y="1878612"/>
             <a:ext cx="3503364" cy="1509311"/>
           </a:xfrm>
           <a:custGeom>
@@ -4577,8 +4574,8 @@
         </p:nvSpPr>
         <p:spPr>
           <a:xfrm rot="1548550">
-            <a:off x="3778848" y="1901469"/>
-            <a:ext cx="1528966" cy="646331"/>
+            <a:off x="3981006" y="2609602"/>
+            <a:ext cx="1676559" cy="646331"/>
           </a:xfrm>
           <a:prstGeom prst="rect">
             <a:avLst/>
@@ -4591,6 +4588,7 @@
           </a:bodyPr>
           <a:lstStyle/>
           <a:p>
+            <a:pPr marL="269875" indent="-269875"/>
             <a:r>
               <a:rPr lang="en-US" dirty="0">
                 <a:solidFill>
@@ -4599,7 +4597,7 @@
                   </a:schemeClr>
                 </a:solidFill>
               </a:rPr>
-              <a:t>4. pull merged code</a:t>
+              <a:t>7. Pulls merged code</a:t>
             </a:r>
             <a:endParaRPr lang="en-SG" dirty="0">
               <a:solidFill>
@@ -4625,7 +4623,7 @@
         </p:nvSpPr>
         <p:spPr>
           <a:xfrm rot="21010302">
-            <a:off x="7999001" y="2350301"/>
+            <a:off x="7999001" y="2917906"/>
             <a:ext cx="791195" cy="495274"/>
           </a:xfrm>
           <a:custGeom>
@@ -4725,8 +4723,8 @@
         </p:nvSpPr>
         <p:spPr>
           <a:xfrm>
-            <a:off x="8003385" y="1704309"/>
-            <a:ext cx="1057338" cy="646331"/>
+            <a:off x="7956376" y="2276872"/>
+            <a:ext cx="1008112" cy="646331"/>
           </a:xfrm>
           <a:prstGeom prst="rect">
             <a:avLst/>
@@ -4745,7 +4743,7 @@
                   <a:srgbClr val="C00000"/>
                 </a:solidFill>
               </a:rPr>
-              <a:t>3. merge PR</a:t>
+              <a:t>4. PR reviews</a:t>
             </a:r>
             <a:endParaRPr lang="en-SG" dirty="0">
               <a:solidFill>
@@ -4769,8 +4767,8 @@
         </p:nvSpPr>
         <p:spPr>
           <a:xfrm>
-            <a:off x="3617984" y="3601678"/>
-            <a:ext cx="3382178" cy="1300914"/>
+            <a:off x="3617984" y="4169283"/>
+            <a:ext cx="3382178" cy="987909"/>
           </a:xfrm>
           <a:custGeom>
             <a:avLst/>
@@ -4860,7 +4858,7 @@
         </p:nvSpPr>
         <p:spPr>
           <a:xfrm>
-            <a:off x="3536414" y="2787267"/>
+            <a:off x="3536414" y="3354872"/>
             <a:ext cx="3514381" cy="385591"/>
           </a:xfrm>
           <a:custGeom>
@@ -4932,6 +4930,445 @@
           <a:p>
             <a:pPr algn="ctr"/>
             <a:endParaRPr lang="en-US"/>
+          </a:p>
+        </p:txBody>
+      </p:sp>
+      <p:sp>
+        <p:nvSpPr>
+          <p:cNvPr id="2" name="TextBox 1">
+            <a:extLst>
+              <a:ext uri="{FF2B5EF4-FFF2-40B4-BE49-F238E27FC236}">
+                <a16:creationId xmlns:a16="http://schemas.microsoft.com/office/drawing/2014/main" id="{A17922F1-4EB4-9E6F-97FA-319444047700}"/>
+              </a:ext>
+            </a:extLst>
+          </p:cNvPr>
+          <p:cNvSpPr txBox="1"/>
+          <p:nvPr/>
+        </p:nvSpPr>
+        <p:spPr>
+          <a:xfrm>
+            <a:off x="1691680" y="2132856"/>
+            <a:ext cx="2376264" cy="923330"/>
+          </a:xfrm>
+          <a:prstGeom prst="rect">
+            <a:avLst/>
+          </a:prstGeom>
+          <a:noFill/>
+        </p:spPr>
+        <p:txBody>
+          <a:bodyPr wrap="square" rtlCol="0">
+            <a:spAutoFit/>
+          </a:bodyPr>
+          <a:lstStyle/>
+          <a:p>
+            <a:pPr marL="177800" indent="-173038"/>
+            <a:r>
+              <a:rPr lang="en-US" dirty="0">
+                <a:solidFill>
+                  <a:schemeClr val="accent6">
+                    <a:lumMod val="75000"/>
+                  </a:schemeClr>
+                </a:solidFill>
+              </a:rPr>
+              <a:t>5. Tweaks as per review comments, pushes changes to PR</a:t>
+            </a:r>
+            <a:endParaRPr lang="en-SG" dirty="0">
+              <a:solidFill>
+                <a:schemeClr val="accent6">
+                  <a:lumMod val="75000"/>
+                </a:schemeClr>
+              </a:solidFill>
+            </a:endParaRPr>
+          </a:p>
+        </p:txBody>
+      </p:sp>
+      <p:sp>
+        <p:nvSpPr>
+          <p:cNvPr id="4" name="Freeform 3">
+            <a:extLst>
+              <a:ext uri="{FF2B5EF4-FFF2-40B4-BE49-F238E27FC236}">
+                <a16:creationId xmlns:a16="http://schemas.microsoft.com/office/drawing/2014/main" id="{B7061C36-2E97-49BC-6823-405828C67C0C}"/>
+              </a:ext>
+            </a:extLst>
+          </p:cNvPr>
+          <p:cNvSpPr/>
+          <p:nvPr/>
+        </p:nvSpPr>
+        <p:spPr>
+          <a:xfrm>
+            <a:off x="2699792" y="1916832"/>
+            <a:ext cx="576064" cy="276871"/>
+          </a:xfrm>
+          <a:custGeom>
+            <a:avLst/>
+            <a:gdLst>
+              <a:gd name="csX0" fmla="*/ 400177 w 414052"/>
+              <a:gd name="csY0" fmla="*/ 0 h 276871"/>
+              <a:gd name="csX1" fmla="*/ 367520 w 414052"/>
+              <a:gd name="csY1" fmla="*/ 261257 h 276871"/>
+              <a:gd name="csX2" fmla="*/ 16456 w 414052"/>
+              <a:gd name="csY2" fmla="*/ 220435 h 276871"/>
+              <a:gd name="csX3" fmla="*/ 89934 w 414052"/>
+              <a:gd name="csY3" fmla="*/ 0 h 276871"/>
+            </a:gdLst>
+            <a:ahLst/>
+            <a:cxnLst>
+              <a:cxn ang="0">
+                <a:pos x="csX0" y="csY0"/>
+              </a:cxn>
+              <a:cxn ang="0">
+                <a:pos x="csX1" y="csY1"/>
+              </a:cxn>
+              <a:cxn ang="0">
+                <a:pos x="csX2" y="csY2"/>
+              </a:cxn>
+              <a:cxn ang="0">
+                <a:pos x="csX3" y="csY3"/>
+              </a:cxn>
+            </a:cxnLst>
+            <a:rect l="l" t="t" r="r" b="b"/>
+            <a:pathLst>
+              <a:path w="414052" h="276871">
+                <a:moveTo>
+                  <a:pt x="400177" y="0"/>
+                </a:moveTo>
+                <a:cubicBezTo>
+                  <a:pt x="415825" y="112259"/>
+                  <a:pt x="431473" y="224518"/>
+                  <a:pt x="367520" y="261257"/>
+                </a:cubicBezTo>
+                <a:cubicBezTo>
+                  <a:pt x="303567" y="297996"/>
+                  <a:pt x="62720" y="263978"/>
+                  <a:pt x="16456" y="220435"/>
+                </a:cubicBezTo>
+                <a:cubicBezTo>
+                  <a:pt x="-29808" y="176892"/>
+                  <a:pt x="30063" y="88446"/>
+                  <a:pt x="89934" y="0"/>
+                </a:cubicBezTo>
+              </a:path>
+            </a:pathLst>
+          </a:custGeom>
+          <a:ln w="38100">
+            <a:solidFill>
+              <a:schemeClr val="accent6"/>
+            </a:solidFill>
+            <a:headEnd type="none" w="med" len="med"/>
+            <a:tailEnd type="triangle" w="med" len="med"/>
+          </a:ln>
+        </p:spPr>
+        <p:style>
+          <a:lnRef idx="2">
+            <a:schemeClr val="dk1"/>
+          </a:lnRef>
+          <a:fillRef idx="0">
+            <a:schemeClr val="dk1"/>
+          </a:fillRef>
+          <a:effectRef idx="1">
+            <a:schemeClr val="dk1"/>
+          </a:effectRef>
+          <a:fontRef idx="minor">
+            <a:schemeClr val="tx1"/>
+          </a:fontRef>
+        </p:style>
+        <p:txBody>
+          <a:bodyPr rtlCol="0" anchor="ctr"/>
+          <a:lstStyle/>
+          <a:p>
+            <a:pPr algn="ctr"/>
+            <a:endParaRPr lang="en-US"/>
+          </a:p>
+        </p:txBody>
+      </p:sp>
+      <p:sp>
+        <p:nvSpPr>
+          <p:cNvPr id="5" name="Freeform 4">
+            <a:extLst>
+              <a:ext uri="{FF2B5EF4-FFF2-40B4-BE49-F238E27FC236}">
+                <a16:creationId xmlns:a16="http://schemas.microsoft.com/office/drawing/2014/main" id="{8C116440-CE28-FEDE-5215-36F1AC2E15B0}"/>
+              </a:ext>
+            </a:extLst>
+          </p:cNvPr>
+          <p:cNvSpPr/>
+          <p:nvPr/>
+        </p:nvSpPr>
+        <p:spPr>
+          <a:xfrm rot="4383963">
+            <a:off x="8110978" y="3847001"/>
+            <a:ext cx="638646" cy="495274"/>
+          </a:xfrm>
+          <a:custGeom>
+            <a:avLst/>
+            <a:gdLst>
+              <a:gd name="connsiteX0" fmla="*/ 0 w 791195"/>
+              <a:gd name="connsiteY0" fmla="*/ 166432 h 495274"/>
+              <a:gd name="connsiteX1" fmla="*/ 705080 w 791195"/>
+              <a:gd name="connsiteY1" fmla="*/ 12196 h 495274"/>
+              <a:gd name="connsiteX2" fmla="*/ 749147 w 791195"/>
+              <a:gd name="connsiteY2" fmla="*/ 452870 h 495274"/>
+              <a:gd name="connsiteX3" fmla="*/ 429658 w 791195"/>
+              <a:gd name="connsiteY3" fmla="*/ 452870 h 495274"/>
+            </a:gdLst>
+            <a:ahLst/>
+            <a:cxnLst>
+              <a:cxn ang="0">
+                <a:pos x="connsiteX0" y="connsiteY0"/>
+              </a:cxn>
+              <a:cxn ang="0">
+                <a:pos x="connsiteX1" y="connsiteY1"/>
+              </a:cxn>
+              <a:cxn ang="0">
+                <a:pos x="connsiteX2" y="connsiteY2"/>
+              </a:cxn>
+              <a:cxn ang="0">
+                <a:pos x="connsiteX3" y="connsiteY3"/>
+              </a:cxn>
+            </a:cxnLst>
+            <a:rect l="l" t="t" r="r" b="b"/>
+            <a:pathLst>
+              <a:path w="791195" h="495274">
+                <a:moveTo>
+                  <a:pt x="0" y="166432"/>
+                </a:moveTo>
+                <a:cubicBezTo>
+                  <a:pt x="290111" y="65444"/>
+                  <a:pt x="580222" y="-35544"/>
+                  <a:pt x="705080" y="12196"/>
+                </a:cubicBezTo>
+                <a:cubicBezTo>
+                  <a:pt x="829938" y="59936"/>
+                  <a:pt x="795051" y="379424"/>
+                  <a:pt x="749147" y="452870"/>
+                </a:cubicBezTo>
+                <a:cubicBezTo>
+                  <a:pt x="703243" y="526316"/>
+                  <a:pt x="566450" y="489593"/>
+                  <a:pt x="429658" y="452870"/>
+                </a:cubicBezTo>
+              </a:path>
+            </a:pathLst>
+          </a:custGeom>
+          <a:ln>
+            <a:solidFill>
+              <a:srgbClr val="C00000"/>
+            </a:solidFill>
+            <a:prstDash val="sysDot"/>
+            <a:headEnd type="none" w="med" len="med"/>
+            <a:tailEnd type="arrow" w="med" len="med"/>
+          </a:ln>
+        </p:spPr>
+        <p:style>
+          <a:lnRef idx="2">
+            <a:schemeClr val="dk1"/>
+          </a:lnRef>
+          <a:fillRef idx="0">
+            <a:schemeClr val="dk1"/>
+          </a:fillRef>
+          <a:effectRef idx="1">
+            <a:schemeClr val="dk1"/>
+          </a:effectRef>
+          <a:fontRef idx="minor">
+            <a:schemeClr val="tx1"/>
+          </a:fontRef>
+        </p:style>
+        <p:txBody>
+          <a:bodyPr rtlCol="0" anchor="ctr"/>
+          <a:lstStyle/>
+          <a:p>
+            <a:pPr algn="ctr"/>
+            <a:endParaRPr lang="en-US"/>
+          </a:p>
+        </p:txBody>
+      </p:sp>
+      <p:sp>
+        <p:nvSpPr>
+          <p:cNvPr id="6" name="TextBox 5">
+            <a:extLst>
+              <a:ext uri="{FF2B5EF4-FFF2-40B4-BE49-F238E27FC236}">
+                <a16:creationId xmlns:a16="http://schemas.microsoft.com/office/drawing/2014/main" id="{46D8BAE6-C9FE-8529-3298-BE136B77317A}"/>
+              </a:ext>
+            </a:extLst>
+          </p:cNvPr>
+          <p:cNvSpPr txBox="1"/>
+          <p:nvPr/>
+        </p:nvSpPr>
+        <p:spPr>
+          <a:xfrm>
+            <a:off x="7812360" y="4581128"/>
+            <a:ext cx="1152128" cy="646331"/>
+          </a:xfrm>
+          <a:prstGeom prst="rect">
+            <a:avLst/>
+          </a:prstGeom>
+          <a:noFill/>
+        </p:spPr>
+        <p:txBody>
+          <a:bodyPr wrap="square" rtlCol="0">
+            <a:spAutoFit/>
+          </a:bodyPr>
+          <a:lstStyle/>
+          <a:p>
+            <a:r>
+              <a:rPr lang="en-US" dirty="0">
+                <a:solidFill>
+                  <a:srgbClr val="C00000"/>
+                </a:solidFill>
+              </a:rPr>
+              <a:t>6. Merges PR</a:t>
+            </a:r>
+            <a:endParaRPr lang="en-SG" dirty="0">
+              <a:solidFill>
+                <a:srgbClr val="C00000"/>
+              </a:solidFill>
+            </a:endParaRPr>
+          </a:p>
+        </p:txBody>
+      </p:sp>
+      <p:sp>
+        <p:nvSpPr>
+          <p:cNvPr id="7" name="Freeform 6">
+            <a:extLst>
+              <a:ext uri="{FF2B5EF4-FFF2-40B4-BE49-F238E27FC236}">
+                <a16:creationId xmlns:a16="http://schemas.microsoft.com/office/drawing/2014/main" id="{5E98BDE8-92B5-3686-6665-544493EF03E8}"/>
+              </a:ext>
+            </a:extLst>
+          </p:cNvPr>
+          <p:cNvSpPr/>
+          <p:nvPr/>
+        </p:nvSpPr>
+        <p:spPr>
+          <a:xfrm flipV="1">
+            <a:off x="2267744" y="620688"/>
+            <a:ext cx="414052" cy="360040"/>
+          </a:xfrm>
+          <a:custGeom>
+            <a:avLst/>
+            <a:gdLst>
+              <a:gd name="csX0" fmla="*/ 400177 w 414052"/>
+              <a:gd name="csY0" fmla="*/ 0 h 276871"/>
+              <a:gd name="csX1" fmla="*/ 367520 w 414052"/>
+              <a:gd name="csY1" fmla="*/ 261257 h 276871"/>
+              <a:gd name="csX2" fmla="*/ 16456 w 414052"/>
+              <a:gd name="csY2" fmla="*/ 220435 h 276871"/>
+              <a:gd name="csX3" fmla="*/ 89934 w 414052"/>
+              <a:gd name="csY3" fmla="*/ 0 h 276871"/>
+            </a:gdLst>
+            <a:ahLst/>
+            <a:cxnLst>
+              <a:cxn ang="0">
+                <a:pos x="csX0" y="csY0"/>
+              </a:cxn>
+              <a:cxn ang="0">
+                <a:pos x="csX1" y="csY1"/>
+              </a:cxn>
+              <a:cxn ang="0">
+                <a:pos x="csX2" y="csY2"/>
+              </a:cxn>
+              <a:cxn ang="0">
+                <a:pos x="csX3" y="csY3"/>
+              </a:cxn>
+            </a:cxnLst>
+            <a:rect l="l" t="t" r="r" b="b"/>
+            <a:pathLst>
+              <a:path w="414052" h="276871">
+                <a:moveTo>
+                  <a:pt x="400177" y="0"/>
+                </a:moveTo>
+                <a:cubicBezTo>
+                  <a:pt x="415825" y="112259"/>
+                  <a:pt x="431473" y="224518"/>
+                  <a:pt x="367520" y="261257"/>
+                </a:cubicBezTo>
+                <a:cubicBezTo>
+                  <a:pt x="303567" y="297996"/>
+                  <a:pt x="62720" y="263978"/>
+                  <a:pt x="16456" y="220435"/>
+                </a:cubicBezTo>
+                <a:cubicBezTo>
+                  <a:pt x="-29808" y="176892"/>
+                  <a:pt x="30063" y="88446"/>
+                  <a:pt x="89934" y="0"/>
+                </a:cubicBezTo>
+              </a:path>
+            </a:pathLst>
+          </a:custGeom>
+          <a:ln w="38100">
+            <a:solidFill>
+              <a:schemeClr val="accent6"/>
+            </a:solidFill>
+            <a:headEnd type="none" w="med" len="med"/>
+            <a:tailEnd type="triangle" w="med" len="med"/>
+          </a:ln>
+        </p:spPr>
+        <p:style>
+          <a:lnRef idx="2">
+            <a:schemeClr val="dk1"/>
+          </a:lnRef>
+          <a:fillRef idx="0">
+            <a:schemeClr val="dk1"/>
+          </a:fillRef>
+          <a:effectRef idx="1">
+            <a:schemeClr val="dk1"/>
+          </a:effectRef>
+          <a:fontRef idx="minor">
+            <a:schemeClr val="tx1"/>
+          </a:fontRef>
+        </p:style>
+        <p:txBody>
+          <a:bodyPr rtlCol="0" anchor="ctr"/>
+          <a:lstStyle/>
+          <a:p>
+            <a:pPr algn="ctr"/>
+            <a:endParaRPr lang="en-US"/>
+          </a:p>
+        </p:txBody>
+      </p:sp>
+      <p:sp>
+        <p:nvSpPr>
+          <p:cNvPr id="8" name="TextBox 7">
+            <a:extLst>
+              <a:ext uri="{FF2B5EF4-FFF2-40B4-BE49-F238E27FC236}">
+                <a16:creationId xmlns:a16="http://schemas.microsoft.com/office/drawing/2014/main" id="{FEF7C867-CFDD-E850-8E37-0B978B6B9D87}"/>
+              </a:ext>
+            </a:extLst>
+          </p:cNvPr>
+          <p:cNvSpPr txBox="1"/>
+          <p:nvPr/>
+        </p:nvSpPr>
+        <p:spPr>
+          <a:xfrm>
+            <a:off x="2699792" y="476672"/>
+            <a:ext cx="3096344" cy="369332"/>
+          </a:xfrm>
+          <a:prstGeom prst="rect">
+            <a:avLst/>
+          </a:prstGeom>
+          <a:noFill/>
+        </p:spPr>
+        <p:txBody>
+          <a:bodyPr wrap="square" rtlCol="0">
+            <a:spAutoFit/>
+          </a:bodyPr>
+          <a:lstStyle/>
+          <a:p>
+            <a:r>
+              <a:rPr lang="en-US" dirty="0">
+                <a:solidFill>
+                  <a:schemeClr val="accent6">
+                    <a:lumMod val="75000"/>
+                  </a:schemeClr>
+                </a:solidFill>
+              </a:rPr>
+              <a:t>1. Creates branch, fixes bug</a:t>
+            </a:r>
+            <a:endParaRPr lang="en-SG" dirty="0">
+              <a:solidFill>
+                <a:schemeClr val="accent6">
+                  <a:lumMod val="75000"/>
+                </a:schemeClr>
+              </a:solidFill>
+            </a:endParaRPr>
           </a:p>
         </p:txBody>
       </p:sp>
